--- a/Presentaciones/1.1 Configurando el Entorno - Visual Studio Code.pptx
+++ b/Presentaciones/1.1 Configurando el Entorno - Visual Studio Code.pptx
@@ -5,7 +5,7 @@
     <p:sldMasterId id="2147483744" r:id="rId1"/>
   </p:sldMasterIdLst>
   <p:notesMasterIdLst>
-    <p:notesMasterId r:id="rId17"/>
+    <p:notesMasterId r:id="rId18"/>
   </p:notesMasterIdLst>
   <p:sldIdLst>
     <p:sldId id="256" r:id="rId2"/>
@@ -21,8 +21,9 @@
     <p:sldId id="266" r:id="rId12"/>
     <p:sldId id="268" r:id="rId13"/>
     <p:sldId id="267" r:id="rId14"/>
-    <p:sldId id="269" r:id="rId15"/>
-    <p:sldId id="270" r:id="rId16"/>
+    <p:sldId id="271" r:id="rId15"/>
+    <p:sldId id="269" r:id="rId16"/>
+    <p:sldId id="270" r:id="rId17"/>
   </p:sldIdLst>
   <p:sldSz cx="12192000" cy="6858000"/>
   <p:notesSz cx="6858000" cy="9144000"/>
@@ -127,6 +128,50 @@
     </p:ext>
   </p:extLst>
 </p:presentation>
+</file>
+
+<file path=ppt/changesInfos/changesInfo1.xml><?xml version="1.0" encoding="utf-8"?>
+<pc:chgInfo xmlns:a="http://schemas.openxmlformats.org/drawingml/2006/main" xmlns:r="http://schemas.openxmlformats.org/officeDocument/2006/relationships" xmlns:ac="http://schemas.microsoft.com/office/drawing/2013/main/command" xmlns:pc="http://schemas.microsoft.com/office/powerpoint/2013/main/command">
+  <pc:docChgLst>
+    <pc:chgData name="Juan David Pareja Soto" userId="dc01c613a80ff411" providerId="LiveId" clId="{39FCB4EC-B8C7-45B1-A5DC-36D547B2C005}"/>
+    <pc:docChg chg="custSel addSld modSld">
+      <pc:chgData name="Juan David Pareja Soto" userId="dc01c613a80ff411" providerId="LiveId" clId="{39FCB4EC-B8C7-45B1-A5DC-36D547B2C005}" dt="2018-08-16T12:33:52.847" v="15" actId="27636"/>
+      <pc:docMkLst>
+        <pc:docMk/>
+      </pc:docMkLst>
+      <pc:sldChg chg="modAnim">
+        <pc:chgData name="Juan David Pareja Soto" userId="dc01c613a80ff411" providerId="LiveId" clId="{39FCB4EC-B8C7-45B1-A5DC-36D547B2C005}" dt="2018-08-16T12:17:45.230" v="1"/>
+        <pc:sldMkLst>
+          <pc:docMk/>
+          <pc:sldMk cId="3741925803" sldId="264"/>
+        </pc:sldMkLst>
+      </pc:sldChg>
+      <pc:sldChg chg="modSp add">
+        <pc:chgData name="Juan David Pareja Soto" userId="dc01c613a80ff411" providerId="LiveId" clId="{39FCB4EC-B8C7-45B1-A5DC-36D547B2C005}" dt="2018-08-16T12:33:52.847" v="15" actId="27636"/>
+        <pc:sldMkLst>
+          <pc:docMk/>
+          <pc:sldMk cId="2287123814" sldId="271"/>
+        </pc:sldMkLst>
+        <pc:spChg chg="mod">
+          <ac:chgData name="Juan David Pareja Soto" userId="dc01c613a80ff411" providerId="LiveId" clId="{39FCB4EC-B8C7-45B1-A5DC-36D547B2C005}" dt="2018-08-16T12:33:51.527" v="13" actId="20577"/>
+          <ac:spMkLst>
+            <pc:docMk/>
+            <pc:sldMk cId="2287123814" sldId="271"/>
+            <ac:spMk id="2" creationId="{DBFA74DF-39C3-4D96-8DEA-8F28DA72909B}"/>
+          </ac:spMkLst>
+        </pc:spChg>
+        <pc:spChg chg="mod">
+          <ac:chgData name="Juan David Pareja Soto" userId="dc01c613a80ff411" providerId="LiveId" clId="{39FCB4EC-B8C7-45B1-A5DC-36D547B2C005}" dt="2018-08-16T12:33:52.847" v="15" actId="27636"/>
+          <ac:spMkLst>
+            <pc:docMk/>
+            <pc:sldMk cId="2287123814" sldId="271"/>
+            <ac:spMk id="3" creationId="{6FC76DA9-C171-4617-BA43-38253065A903}"/>
+          </ac:spMkLst>
+        </pc:spChg>
+      </pc:sldChg>
+    </pc:docChg>
+  </pc:docChgLst>
+</pc:chgInfo>
 </file>
 
 <file path=ppt/notesMasters/notesMaster1.xml><?xml version="1.0" encoding="utf-8"?>
@@ -4306,6 +4351,126 @@
   <p:clrMapOvr>
     <a:masterClrMapping/>
   </p:clrMapOvr>
+  <p:timing>
+    <p:tnLst>
+      <p:par>
+        <p:cTn id="1" dur="indefinite" restart="never" nodeType="tmRoot">
+          <p:childTnLst>
+            <p:seq concurrent="1" nextAc="seek">
+              <p:cTn id="2" dur="indefinite" nodeType="mainSeq">
+                <p:childTnLst>
+                  <p:par>
+                    <p:cTn id="3" fill="hold">
+                      <p:stCondLst>
+                        <p:cond delay="indefinite"/>
+                      </p:stCondLst>
+                      <p:childTnLst>
+                        <p:par>
+                          <p:cTn id="4" fill="hold">
+                            <p:stCondLst>
+                              <p:cond delay="0"/>
+                            </p:stCondLst>
+                            <p:childTnLst>
+                              <p:par>
+                                <p:cTn id="5" presetID="1" presetClass="entr" presetSubtype="0" fill="hold" nodeType="clickEffect">
+                                  <p:stCondLst>
+                                    <p:cond delay="0"/>
+                                  </p:stCondLst>
+                                  <p:childTnLst>
+                                    <p:set>
+                                      <p:cBhvr>
+                                        <p:cTn id="6" dur="1" fill="hold">
+                                          <p:stCondLst>
+                                            <p:cond delay="0"/>
+                                          </p:stCondLst>
+                                        </p:cTn>
+                                        <p:tgtEl>
+                                          <p:spTgt spid="4"/>
+                                        </p:tgtEl>
+                                        <p:attrNameLst>
+                                          <p:attrName>style.visibility</p:attrName>
+                                        </p:attrNameLst>
+                                      </p:cBhvr>
+                                      <p:to>
+                                        <p:strVal val="visible"/>
+                                      </p:to>
+                                    </p:set>
+                                  </p:childTnLst>
+                                </p:cTn>
+                              </p:par>
+                            </p:childTnLst>
+                          </p:cTn>
+                        </p:par>
+                      </p:childTnLst>
+                    </p:cTn>
+                  </p:par>
+                  <p:par>
+                    <p:cTn id="7" fill="hold">
+                      <p:stCondLst>
+                        <p:cond delay="indefinite"/>
+                      </p:stCondLst>
+                      <p:childTnLst>
+                        <p:par>
+                          <p:cTn id="8" fill="hold">
+                            <p:stCondLst>
+                              <p:cond delay="0"/>
+                            </p:stCondLst>
+                            <p:childTnLst>
+                              <p:par>
+                                <p:cTn id="9" presetID="1" presetClass="entr" presetSubtype="0" fill="hold" nodeType="clickEffect">
+                                  <p:stCondLst>
+                                    <p:cond delay="0"/>
+                                  </p:stCondLst>
+                                  <p:childTnLst>
+                                    <p:set>
+                                      <p:cBhvr>
+                                        <p:cTn id="10" dur="1" fill="hold">
+                                          <p:stCondLst>
+                                            <p:cond delay="0"/>
+                                          </p:stCondLst>
+                                        </p:cTn>
+                                        <p:tgtEl>
+                                          <p:spTgt spid="5"/>
+                                        </p:tgtEl>
+                                        <p:attrNameLst>
+                                          <p:attrName>style.visibility</p:attrName>
+                                        </p:attrNameLst>
+                                      </p:cBhvr>
+                                      <p:to>
+                                        <p:strVal val="visible"/>
+                                      </p:to>
+                                    </p:set>
+                                  </p:childTnLst>
+                                </p:cTn>
+                              </p:par>
+                            </p:childTnLst>
+                          </p:cTn>
+                        </p:par>
+                      </p:childTnLst>
+                    </p:cTn>
+                  </p:par>
+                </p:childTnLst>
+              </p:cTn>
+              <p:prevCondLst>
+                <p:cond evt="onPrev" delay="0">
+                  <p:tgtEl>
+                    <p:sldTgt/>
+                  </p:tgtEl>
+                </p:cond>
+              </p:prevCondLst>
+              <p:nextCondLst>
+                <p:cond evt="onNext" delay="0">
+                  <p:tgtEl>
+                    <p:sldTgt/>
+                  </p:tgtEl>
+                </p:cond>
+              </p:nextCondLst>
+            </p:seq>
+          </p:childTnLst>
+        </p:cTn>
+      </p:par>
+    </p:tnLst>
+  </p:timing>
 </p:sld>
 </file>
 
@@ -4800,6 +4965,213 @@
           <p:cNvPr id="2" name="Título 1">
             <a:extLst>
               <a:ext uri="{FF2B5EF4-FFF2-40B4-BE49-F238E27FC236}">
+                <a16:creationId xmlns:a16="http://schemas.microsoft.com/office/drawing/2014/main" id="{DBFA74DF-39C3-4D96-8DEA-8F28DA72909B}"/>
+              </a:ext>
+            </a:extLst>
+          </p:cNvPr>
+          <p:cNvSpPr>
+            <a:spLocks noGrp="1"/>
+          </p:cNvSpPr>
+          <p:nvPr>
+            <p:ph type="title"/>
+          </p:nvPr>
+        </p:nvSpPr>
+        <p:spPr/>
+        <p:txBody>
+          <a:bodyPr/>
+          <a:lstStyle/>
+          <a:p>
+            <a:r>
+              <a:rPr lang="es-CO" dirty="0"/>
+              <a:t>Resumen</a:t>
+            </a:r>
+          </a:p>
+        </p:txBody>
+      </p:sp>
+      <p:sp>
+        <p:nvSpPr>
+          <p:cNvPr id="3" name="Marcador de contenido 2">
+            <a:extLst>
+              <a:ext uri="{FF2B5EF4-FFF2-40B4-BE49-F238E27FC236}">
+                <a16:creationId xmlns:a16="http://schemas.microsoft.com/office/drawing/2014/main" id="{6FC76DA9-C171-4617-BA43-38253065A903}"/>
+              </a:ext>
+            </a:extLst>
+          </p:cNvPr>
+          <p:cNvSpPr>
+            <a:spLocks noGrp="1"/>
+          </p:cNvSpPr>
+          <p:nvPr>
+            <p:ph idx="1"/>
+          </p:nvPr>
+        </p:nvSpPr>
+        <p:spPr/>
+        <p:txBody>
+          <a:bodyPr>
+            <a:normAutofit fontScale="70000" lnSpcReduction="20000"/>
+          </a:bodyPr>
+          <a:lstStyle/>
+          <a:p>
+            <a:r>
+              <a:rPr lang="es-ES" dirty="0"/>
+              <a:t>1. Crear proyecto</a:t>
+            </a:r>
+          </a:p>
+          <a:p>
+            <a:r>
+              <a:rPr lang="es-ES" dirty="0"/>
+              <a:t>	</a:t>
+            </a:r>
+            <a:r>
+              <a:rPr lang="es-ES" dirty="0" err="1"/>
+              <a:t>dotnet</a:t>
+            </a:r>
+            <a:r>
+              <a:rPr lang="es-ES" dirty="0"/>
+              <a:t> new </a:t>
+            </a:r>
+            <a:r>
+              <a:rPr lang="es-ES" dirty="0" err="1"/>
+              <a:t>console</a:t>
+            </a:r>
+            <a:r>
+              <a:rPr lang="es-ES" dirty="0"/>
+              <a:t> -o NOMBREPROYECTO</a:t>
+            </a:r>
+          </a:p>
+          <a:p>
+            <a:r>
+              <a:rPr lang="es-ES" dirty="0"/>
+              <a:t>2. Abrir Proyecto</a:t>
+            </a:r>
+          </a:p>
+          <a:p>
+            <a:r>
+              <a:rPr lang="es-ES" dirty="0"/>
+              <a:t>	cd NOMBREPROYECTO</a:t>
+            </a:r>
+          </a:p>
+          <a:p>
+            <a:r>
+              <a:rPr lang="es-ES" dirty="0"/>
+              <a:t>	</a:t>
+            </a:r>
+            <a:r>
+              <a:rPr lang="es-ES" dirty="0" err="1"/>
+              <a:t>code</a:t>
+            </a:r>
+            <a:r>
+              <a:rPr lang="es-ES" dirty="0"/>
+              <a:t> .</a:t>
+            </a:r>
+          </a:p>
+          <a:p>
+            <a:r>
+              <a:rPr lang="es-ES" dirty="0"/>
+              <a:t>3. Restaurar Paquetes (Una sola vez al crearlo)</a:t>
+            </a:r>
+          </a:p>
+          <a:p>
+            <a:r>
+              <a:rPr lang="es-ES" dirty="0"/>
+              <a:t>	</a:t>
+            </a:r>
+            <a:r>
+              <a:rPr lang="es-ES" dirty="0" err="1"/>
+              <a:t>dotnet</a:t>
+            </a:r>
+            <a:r>
+              <a:rPr lang="es-ES" dirty="0"/>
+              <a:t> </a:t>
+            </a:r>
+            <a:r>
+              <a:rPr lang="es-ES" dirty="0" err="1"/>
+              <a:t>restore</a:t>
+            </a:r>
+            <a:endParaRPr lang="es-ES" dirty="0"/>
+          </a:p>
+          <a:p>
+            <a:r>
+              <a:rPr lang="es-ES" dirty="0"/>
+              <a:t>4. Compilar (Cada vez que se requiera)</a:t>
+            </a:r>
+          </a:p>
+          <a:p>
+            <a:r>
+              <a:rPr lang="es-ES" dirty="0"/>
+              <a:t>	</a:t>
+            </a:r>
+            <a:r>
+              <a:rPr lang="es-ES" dirty="0" err="1"/>
+              <a:t>dotnet</a:t>
+            </a:r>
+            <a:r>
+              <a:rPr lang="es-ES" dirty="0"/>
+              <a:t> </a:t>
+            </a:r>
+            <a:r>
+              <a:rPr lang="es-ES" dirty="0" err="1"/>
+              <a:t>build</a:t>
+            </a:r>
+            <a:endParaRPr lang="es-ES" dirty="0"/>
+          </a:p>
+          <a:p>
+            <a:r>
+              <a:rPr lang="es-ES" dirty="0"/>
+              <a:t>5. Ejecutar (Cada que quiera ejecutarse)</a:t>
+            </a:r>
+          </a:p>
+          <a:p>
+            <a:r>
+              <a:rPr lang="es-ES" dirty="0"/>
+              <a:t>	</a:t>
+            </a:r>
+            <a:r>
+              <a:rPr lang="es-ES" dirty="0" err="1"/>
+              <a:t>dotnet</a:t>
+            </a:r>
+            <a:r>
+              <a:rPr lang="es-ES" dirty="0"/>
+              <a:t> run</a:t>
+            </a:r>
+            <a:endParaRPr lang="es-CO" dirty="0"/>
+          </a:p>
+        </p:txBody>
+      </p:sp>
+    </p:spTree>
+    <p:extLst>
+      <p:ext uri="{BB962C8B-B14F-4D97-AF65-F5344CB8AC3E}">
+        <p14:creationId xmlns:p14="http://schemas.microsoft.com/office/powerpoint/2010/main" val="2287123814"/>
+      </p:ext>
+    </p:extLst>
+  </p:cSld>
+  <p:clrMapOvr>
+    <a:masterClrMapping/>
+  </p:clrMapOvr>
+</p:sld>
+</file>
+
+<file path=ppt/slides/slide15.xml><?xml version="1.0" encoding="utf-8"?>
+<p:sld xmlns:a="http://schemas.openxmlformats.org/drawingml/2006/main" xmlns:r="http://schemas.openxmlformats.org/officeDocument/2006/relationships" xmlns:p="http://schemas.openxmlformats.org/presentationml/2006/main">
+  <p:cSld>
+    <p:spTree>
+      <p:nvGrpSpPr>
+        <p:cNvPr id="1" name=""/>
+        <p:cNvGrpSpPr/>
+        <p:nvPr/>
+      </p:nvGrpSpPr>
+      <p:grpSpPr>
+        <a:xfrm>
+          <a:off x="0" y="0"/>
+          <a:ext cx="0" cy="0"/>
+          <a:chOff x="0" y="0"/>
+          <a:chExt cx="0" cy="0"/>
+        </a:xfrm>
+      </p:grpSpPr>
+      <p:sp>
+        <p:nvSpPr>
+          <p:cNvPr id="2" name="Título 1">
+            <a:extLst>
+              <a:ext uri="{FF2B5EF4-FFF2-40B4-BE49-F238E27FC236}">
                 <a16:creationId xmlns:a16="http://schemas.microsoft.com/office/drawing/2014/main" id="{2A63171F-EBC5-4917-AFD5-CC75E9336BF3}"/>
               </a:ext>
             </a:extLst>
@@ -4997,7 +5369,7 @@
 </p:sld>
 </file>
 
-<file path=ppt/slides/slide15.xml><?xml version="1.0" encoding="utf-8"?>
+<file path=ppt/slides/slide16.xml><?xml version="1.0" encoding="utf-8"?>
 <p:sld xmlns:a="http://schemas.openxmlformats.org/drawingml/2006/main" xmlns:r="http://schemas.openxmlformats.org/officeDocument/2006/relationships" xmlns:p="http://schemas.openxmlformats.org/presentationml/2006/main">
   <p:cSld>
     <p:spTree>
